--- a/teaching/expdes/held.back/lec4.pptx
+++ b/teaching/expdes/held.back/lec4.pptx
@@ -235,7 +235,7 @@
           <a:p>
             <a:fld id="{53E2479D-E2A6-6F47-86D9-53E4CB6E8DB6}" type="datetimeFigureOut">
               <a:rPr lang="en-US" smtClean="0"/>
-              <a:t>2/13/18</a:t>
+              <a:t>2/4/19</a:t>
             </a:fld>
             <a:endParaRPr lang="en-US"/>
           </a:p>
@@ -718,7 +718,7 @@
           <a:p>
             <a:fld id="{2B908699-CE29-634D-83B5-1061B2BD35A6}" type="datetimeFigureOut">
               <a:rPr lang="en-US" smtClean="0"/>
-              <a:t>2/13/18</a:t>
+              <a:t>2/4/19</a:t>
             </a:fld>
             <a:endParaRPr lang="en-US"/>
           </a:p>
@@ -888,7 +888,7 @@
           <a:p>
             <a:fld id="{2B908699-CE29-634D-83B5-1061B2BD35A6}" type="datetimeFigureOut">
               <a:rPr lang="en-US" smtClean="0"/>
-              <a:t>2/13/18</a:t>
+              <a:t>2/4/19</a:t>
             </a:fld>
             <a:endParaRPr lang="en-US"/>
           </a:p>
@@ -1068,7 +1068,7 @@
           <a:p>
             <a:fld id="{2B908699-CE29-634D-83B5-1061B2BD35A6}" type="datetimeFigureOut">
               <a:rPr lang="en-US" smtClean="0"/>
-              <a:t>2/13/18</a:t>
+              <a:t>2/4/19</a:t>
             </a:fld>
             <a:endParaRPr lang="en-US"/>
           </a:p>
@@ -1245,7 +1245,7 @@
           <a:p>
             <a:fld id="{2B908699-CE29-634D-83B5-1061B2BD35A6}" type="datetimeFigureOut">
               <a:rPr lang="en-US" smtClean="0"/>
-              <a:t>2/13/18</a:t>
+              <a:t>2/4/19</a:t>
             </a:fld>
             <a:endParaRPr lang="en-US"/>
           </a:p>
@@ -1491,7 +1491,7 @@
           <a:p>
             <a:fld id="{2B908699-CE29-634D-83B5-1061B2BD35A6}" type="datetimeFigureOut">
               <a:rPr lang="en-US" smtClean="0"/>
-              <a:t>2/13/18</a:t>
+              <a:t>2/4/19</a:t>
             </a:fld>
             <a:endParaRPr lang="en-US"/>
           </a:p>
@@ -1723,7 +1723,7 @@
           <a:p>
             <a:fld id="{2B908699-CE29-634D-83B5-1061B2BD35A6}" type="datetimeFigureOut">
               <a:rPr lang="en-US" smtClean="0"/>
-              <a:t>2/13/18</a:t>
+              <a:t>2/4/19</a:t>
             </a:fld>
             <a:endParaRPr lang="en-US"/>
           </a:p>
@@ -2090,7 +2090,7 @@
           <a:p>
             <a:fld id="{2B908699-CE29-634D-83B5-1061B2BD35A6}" type="datetimeFigureOut">
               <a:rPr lang="en-US" smtClean="0"/>
-              <a:t>2/13/18</a:t>
+              <a:t>2/4/19</a:t>
             </a:fld>
             <a:endParaRPr lang="en-US"/>
           </a:p>
@@ -2208,7 +2208,7 @@
           <a:p>
             <a:fld id="{2B908699-CE29-634D-83B5-1061B2BD35A6}" type="datetimeFigureOut">
               <a:rPr lang="en-US" smtClean="0"/>
-              <a:t>2/13/18</a:t>
+              <a:t>2/4/19</a:t>
             </a:fld>
             <a:endParaRPr lang="en-US"/>
           </a:p>
@@ -2303,7 +2303,7 @@
           <a:p>
             <a:fld id="{2B908699-CE29-634D-83B5-1061B2BD35A6}" type="datetimeFigureOut">
               <a:rPr lang="en-US" smtClean="0"/>
-              <a:t>2/13/18</a:t>
+              <a:t>2/4/19</a:t>
             </a:fld>
             <a:endParaRPr lang="en-US"/>
           </a:p>
@@ -2580,7 +2580,7 @@
           <a:p>
             <a:fld id="{2B908699-CE29-634D-83B5-1061B2BD35A6}" type="datetimeFigureOut">
               <a:rPr lang="en-US" smtClean="0"/>
-              <a:t>2/13/18</a:t>
+              <a:t>2/4/19</a:t>
             </a:fld>
             <a:endParaRPr lang="en-US"/>
           </a:p>
@@ -2833,7 +2833,7 @@
           <a:p>
             <a:fld id="{2B908699-CE29-634D-83B5-1061B2BD35A6}" type="datetimeFigureOut">
               <a:rPr lang="en-US" smtClean="0"/>
-              <a:t>2/13/18</a:t>
+              <a:t>2/4/19</a:t>
             </a:fld>
             <a:endParaRPr lang="en-US"/>
           </a:p>
@@ -3046,7 +3046,7 @@
           <a:p>
             <a:fld id="{2B908699-CE29-634D-83B5-1061B2BD35A6}" type="datetimeFigureOut">
               <a:rPr lang="en-US" smtClean="0"/>
-              <a:t>2/13/18</a:t>
+              <a:t>2/4/19</a:t>
             </a:fld>
             <a:endParaRPr lang="en-US"/>
           </a:p>
@@ -3757,7 +3757,15 @@
             </a:r>
             <a:r>
               <a:rPr lang="en-US" sz="2400" dirty="0"/>
-              <a:t>with 10 individuals per tank. I draw a </a:t>
+              <a:t>with 10 individuals per </a:t>
+            </a:r>
+            <a:r>
+              <a:rPr lang="en-US" sz="2400" dirty="0" smtClean="0"/>
+              <a:t>vial. </a:t>
+            </a:r>
+            <a:r>
+              <a:rPr lang="en-US" sz="2400" dirty="0"/>
+              <a:t>I draw a </a:t>
             </a:r>
             <a:r>
               <a:rPr lang="en-US" sz="2400" dirty="0" smtClean="0"/>
@@ -5365,8 +5373,8 @@
           </a:p>
         </p:txBody>
       </p:sp>
-      <mc:AlternateContent xmlns:mc="http://schemas.openxmlformats.org/markup-compatibility/2006">
-        <mc:Choice xmlns:a14="http://schemas.microsoft.com/office/drawing/2010/main" Requires="a14">
+      <mc:AlternateContent xmlns:mc="http://schemas.openxmlformats.org/markup-compatibility/2006" xmlns:a14="http://schemas.microsoft.com/office/drawing/2010/main">
+        <mc:Choice Requires="a14">
           <p:sp>
             <p:nvSpPr>
               <p:cNvPr id="4" name="Rectangle 3"/>
@@ -5489,15 +5497,7 @@
                 <a:pPr lvl="1"/>
                 <a:r>
                   <a:rPr lang="en-US" sz="2800" dirty="0" smtClean="0"/>
-                  <a:t>Bayesian approach </a:t>
-                </a:r>
-                <a:r>
-                  <a:rPr lang="en-US" sz="2800" dirty="0" smtClean="0"/>
-                  <a:t>tells us if </a:t>
-                </a:r>
-                <a:r>
-                  <a:rPr lang="en-US" sz="2800" dirty="0" smtClean="0"/>
-                  <a:t>the posterior estimate of the parameter of interest overlap in our two treatments.</a:t>
+                  <a:t>Bayesian approach tells us if the posterior estimate of the parameter of interest overlap in our two treatments.</a:t>
                 </a:r>
                 <a:endParaRPr lang="en-US" sz="2800" dirty="0"/>
               </a:p>
@@ -5512,7 +5512,7 @@
             </p:txBody>
           </p:sp>
         </mc:Choice>
-        <mc:Fallback>
+        <mc:Fallback xmlns="">
           <p:sp>
             <p:nvSpPr>
               <p:cNvPr id="4" name="Rectangle 3"/>
@@ -6098,7 +6098,7 @@
         <p:spPr>
           <a:xfrm>
             <a:off x="237995" y="1161821"/>
-            <a:ext cx="11786991" cy="3970318"/>
+            <a:ext cx="11786991" cy="4401205"/>
           </a:xfrm>
           <a:prstGeom prst="rect">
             <a:avLst/>
@@ -6190,7 +6190,45 @@
             </a:r>
             <a:r>
               <a:rPr lang="en-US" sz="2800" dirty="0" smtClean="0"/>
-              <a:t>a hypothesis, but you can find support for an alternative or reject the null.</a:t>
+              <a:t>a hypothesis, but </a:t>
+            </a:r>
+            <a:endParaRPr lang="en-US" sz="2800" dirty="0" smtClean="0"/>
+          </a:p>
+          <a:p>
+            <a:pPr marL="914400" lvl="1" indent="-457200">
+              <a:buFont typeface="Arial" charset="0"/>
+              <a:buChar char="•"/>
+            </a:pPr>
+            <a:r>
+              <a:rPr lang="en-US" sz="2800" dirty="0"/>
+              <a:t>As frequentist you can find support for an alternative or reject the null</a:t>
+            </a:r>
+            <a:r>
+              <a:rPr lang="en-US" sz="2800" dirty="0" smtClean="0"/>
+              <a:t>.</a:t>
+            </a:r>
+            <a:endParaRPr lang="en-US" sz="2800" dirty="0"/>
+          </a:p>
+          <a:p>
+            <a:pPr marL="914400" lvl="1" indent="-457200">
+              <a:buFont typeface="Arial" charset="0"/>
+              <a:buChar char="•"/>
+            </a:pPr>
+            <a:r>
+              <a:rPr lang="en-US" sz="2800" dirty="0"/>
+              <a:t>As </a:t>
+            </a:r>
+            <a:r>
+              <a:rPr lang="en-US" sz="2800" dirty="0" smtClean="0"/>
+              <a:t>Bayesian </a:t>
+            </a:r>
+            <a:r>
+              <a:rPr lang="en-US" sz="2800" dirty="0"/>
+              <a:t>you can </a:t>
+            </a:r>
+            <a:r>
+              <a:rPr lang="en-US" sz="2800" dirty="0" smtClean="0"/>
+              <a:t>compare support for two competing hypotheses.</a:t>
             </a:r>
             <a:r>
               <a:rPr lang="en-US" sz="2800" dirty="0"/>
@@ -6199,7 +6237,7 @@
           </a:p>
           <a:p>
             <a:pPr lvl="1"/>
-            <a:endParaRPr lang="en-US" sz="2800" dirty="0" smtClean="0"/>
+            <a:endParaRPr lang="en-US" sz="2800" dirty="0"/>
           </a:p>
           <a:p>
             <a:pPr lvl="1"/>
@@ -6741,15 +6779,7 @@
             </a:pPr>
             <a:r>
               <a:rPr lang="en-US" sz="4000" dirty="0" smtClean="0"/>
-              <a:t>Give </a:t>
-            </a:r>
-            <a:r>
-              <a:rPr lang="en-US" sz="4000" dirty="0" smtClean="0"/>
-              <a:t>a biological example of a conditional </a:t>
-            </a:r>
-            <a:r>
-              <a:rPr lang="en-US" sz="4000" dirty="0" smtClean="0"/>
-              <a:t>probability.</a:t>
+              <a:t>Give a biological example of a conditional probability.</a:t>
             </a:r>
           </a:p>
           <a:p>
@@ -16875,11 +16905,7 @@
           <a:p>
             <a:r>
               <a:rPr lang="en-US" sz="2400" b="1" dirty="0" smtClean="0"/>
-              <a:t>Sometimes </a:t>
-            </a:r>
-            <a:r>
-              <a:rPr lang="en-US" sz="2400" b="1" dirty="0" smtClean="0"/>
-              <a:t>you </a:t>
+              <a:t>Sometimes you </a:t>
             </a:r>
             <a:r>
               <a:rPr lang="en-US" sz="2400" b="1" dirty="0"/>
@@ -17477,7 +17503,6 @@
               <a:rPr lang="en-US" sz="2400" dirty="0" smtClean="0"/>
               <a:t>).  </a:t>
             </a:r>
-            <a:endParaRPr lang="en-US" sz="2400" dirty="0" smtClean="0"/>
           </a:p>
           <a:p>
             <a:pPr lvl="1"/>
@@ -17487,19 +17512,7 @@
             <a:pPr lvl="1"/>
             <a:r>
               <a:rPr lang="en-US" sz="2400" dirty="0" smtClean="0"/>
-              <a:t>Humans </a:t>
-            </a:r>
-            <a:r>
-              <a:rPr lang="en-US" sz="2400" dirty="0" smtClean="0"/>
-              <a:t>are bad at recognizing </a:t>
-            </a:r>
-            <a:r>
-              <a:rPr lang="en-US" sz="2400" dirty="0" smtClean="0"/>
-              <a:t>and creating randomness</a:t>
-            </a:r>
-            <a:r>
-              <a:rPr lang="en-US" sz="2400" dirty="0" smtClean="0"/>
-              <a:t>.</a:t>
+              <a:t>Humans are bad at recognizing and creating randomness.</a:t>
             </a:r>
             <a:r>
               <a:rPr lang="en-US" sz="2400" dirty="0"/>
@@ -18616,11 +18629,7 @@
           <a:p>
             <a:r>
               <a:rPr lang="en-US" sz="3200" dirty="0" smtClean="0"/>
-              <a:t>Gene expression </a:t>
-            </a:r>
-            <a:r>
-              <a:rPr lang="en-US" sz="3200" dirty="0" smtClean="0"/>
-              <a:t>level		</a:t>
+              <a:t>Gene expression level		</a:t>
             </a:r>
           </a:p>
           <a:p>
@@ -18632,13 +18641,8 @@
           <a:p>
             <a:r>
               <a:rPr lang="en-US" sz="3200" dirty="0" smtClean="0"/>
-              <a:t>Lung cancer and </a:t>
-            </a:r>
-            <a:r>
-              <a:rPr lang="en-US" sz="3200" dirty="0" smtClean="0"/>
-              <a:t>coffee</a:t>
-            </a:r>
-            <a:endParaRPr lang="en-US" sz="3200" dirty="0" smtClean="0"/>
+              <a:t>Lung cancer and coffee</a:t>
+            </a:r>
           </a:p>
           <a:p>
             <a:r>
@@ -18649,15 +18653,7 @@
           <a:p>
             <a:r>
               <a:rPr lang="en-US" sz="3200" dirty="0" smtClean="0"/>
-              <a:t>Effective </a:t>
-            </a:r>
-            <a:r>
-              <a:rPr lang="en-US" sz="3200" dirty="0" smtClean="0"/>
-              <a:t>population </a:t>
-            </a:r>
-            <a:r>
-              <a:rPr lang="en-US" sz="3200" dirty="0" smtClean="0"/>
-              <a:t>size</a:t>
+              <a:t>Effective population size</a:t>
             </a:r>
             <a:endParaRPr lang="en-US" sz="2400" dirty="0"/>
           </a:p>
